--- a/기획/섀도우 버스/섀도우 버스 진화 시스템 역기획서.pptx
+++ b/기획/섀도우 버스/섀도우 버스 진화 시스템 역기획서.pptx
@@ -5,16 +5,17 @@
     <p:sldMasterId id="2147484370" r:id="rId1"/>
   </p:sldMasterIdLst>
   <p:notesMasterIdLst>
-    <p:notesMasterId r:id="rId6"/>
+    <p:notesMasterId r:id="rId7"/>
   </p:notesMasterIdLst>
   <p:handoutMasterIdLst>
-    <p:handoutMasterId r:id="rId7"/>
+    <p:handoutMasterId r:id="rId8"/>
   </p:handoutMasterIdLst>
   <p:sldIdLst>
     <p:sldId id="256" r:id="rId2"/>
     <p:sldId id="387" r:id="rId3"/>
     <p:sldId id="386" r:id="rId4"/>
     <p:sldId id="388" r:id="rId5"/>
+    <p:sldId id="389" r:id="rId6"/>
   </p:sldIdLst>
   <p:sldSz cx="12192000" cy="6858000"/>
   <p:notesSz cx="6858000" cy="9144000"/>
@@ -310,7 +311,7 @@
           <a:p>
             <a:fld id="{4E9214C1-2863-45BA-A7C5-D5EA3C3D4C30}" type="datetimeFigureOut">
               <a:rPr lang="ko-KR" altLang="en-US" smtClean="0"/>
-              <a:t>2025-02-10</a:t>
+              <a:t>2025-02-11</a:t>
             </a:fld>
             <a:endParaRPr lang="ko-KR" altLang="en-US"/>
           </a:p>
@@ -475,7 +476,7 @@
           <a:p>
             <a:fld id="{8F563C85-90F6-445D-9B5B-8ABB00FB3043}" type="datetimeFigureOut">
               <a:rPr lang="ko-KR" altLang="en-US" smtClean="0"/>
-              <a:t>2025-02-10</a:t>
+              <a:t>2025-02-11</a:t>
             </a:fld>
             <a:endParaRPr lang="ko-KR" altLang="en-US"/>
           </a:p>
@@ -966,7 +967,7 @@
             </a:pPr>
             <a:fld id="{B9320F77-B9A0-41C5-862A-B4B631284C64}" type="datetime1">
               <a:rPr lang="en-GB" altLang="en-US"/>
-              <a:t>10/02/2025</a:t>
+              <a:t>11/02/2025</a:t>
             </a:fld>
             <a:endParaRPr lang="ko-KR" altLang="en-US"/>
           </a:p>
@@ -1166,7 +1167,7 @@
             </a:pPr>
             <a:fld id="{B9320F77-B9A0-41C5-862A-B4B631284C64}" type="datetime1">
               <a:rPr lang="en-GB" altLang="en-US"/>
-              <a:t>10/02/2025</a:t>
+              <a:t>11/02/2025</a:t>
             </a:fld>
             <a:endParaRPr lang="ko-KR" altLang="en-US"/>
           </a:p>
@@ -1366,7 +1367,7 @@
             </a:pPr>
             <a:fld id="{B9320F77-B9A0-41C5-862A-B4B631284C64}" type="datetime1">
               <a:rPr lang="en-GB" altLang="en-US"/>
-              <a:t>10/02/2025</a:t>
+              <a:t>11/02/2025</a:t>
             </a:fld>
             <a:endParaRPr lang="ko-KR" altLang="en-US"/>
           </a:p>
@@ -1566,7 +1567,7 @@
             </a:pPr>
             <a:fld id="{B9320F77-B9A0-41C5-862A-B4B631284C64}" type="datetime1">
               <a:rPr lang="en-GB" altLang="en-US"/>
-              <a:t>10/02/2025</a:t>
+              <a:t>11/02/2025</a:t>
             </a:fld>
             <a:endParaRPr lang="ko-KR" altLang="en-US"/>
           </a:p>
@@ -1832,7 +1833,7 @@
             </a:pPr>
             <a:fld id="{B9320F77-B9A0-41C5-862A-B4B631284C64}" type="datetime1">
               <a:rPr lang="en-GB" altLang="en-US"/>
-              <a:t>10/02/2025</a:t>
+              <a:t>11/02/2025</a:t>
             </a:fld>
             <a:endParaRPr lang="ko-KR" altLang="en-US"/>
           </a:p>
@@ -2088,7 +2089,7 @@
             </a:pPr>
             <a:fld id="{B9320F77-B9A0-41C5-862A-B4B631284C64}" type="datetime1">
               <a:rPr lang="en-GB" altLang="en-US"/>
-              <a:t>10/02/2025</a:t>
+              <a:t>11/02/2025</a:t>
             </a:fld>
             <a:endParaRPr lang="ko-KR" altLang="en-US"/>
           </a:p>
@@ -2474,7 +2475,7 @@
             </a:pPr>
             <a:fld id="{B9320F77-B9A0-41C5-862A-B4B631284C64}" type="datetime1">
               <a:rPr lang="en-GB" altLang="en-US"/>
-              <a:t>10/02/2025</a:t>
+              <a:t>11/02/2025</a:t>
             </a:fld>
             <a:endParaRPr lang="ko-KR" altLang="en-US"/>
           </a:p>
@@ -2618,7 +2619,7 @@
             </a:pPr>
             <a:fld id="{B9320F77-B9A0-41C5-862A-B4B631284C64}" type="datetime1">
               <a:rPr lang="en-GB" altLang="en-US"/>
-              <a:t>10/02/2025</a:t>
+              <a:t>11/02/2025</a:t>
             </a:fld>
             <a:endParaRPr lang="ko-KR" altLang="en-US"/>
           </a:p>
@@ -2735,7 +2736,7 @@
             </a:pPr>
             <a:fld id="{B9320F77-B9A0-41C5-862A-B4B631284C64}" type="datetime1">
               <a:rPr lang="en-GB" altLang="en-US"/>
-              <a:t>10/02/2025</a:t>
+              <a:t>11/02/2025</a:t>
             </a:fld>
             <a:endParaRPr lang="ko-KR" altLang="en-US"/>
           </a:p>
@@ -3032,7 +3033,7 @@
             </a:pPr>
             <a:fld id="{B9320F77-B9A0-41C5-862A-B4B631284C64}" type="datetime1">
               <a:rPr lang="en-GB" altLang="en-US"/>
-              <a:t>10/02/2025</a:t>
+              <a:t>11/02/2025</a:t>
             </a:fld>
             <a:endParaRPr lang="ko-KR" altLang="en-US"/>
           </a:p>
@@ -3306,7 +3307,7 @@
             </a:pPr>
             <a:fld id="{B9320F77-B9A0-41C5-862A-B4B631284C64}" type="datetime1">
               <a:rPr lang="en-GB" altLang="en-US"/>
-              <a:t>10/02/2025</a:t>
+              <a:t>11/02/2025</a:t>
             </a:fld>
             <a:endParaRPr lang="ko-KR" altLang="en-US"/>
           </a:p>
@@ -3536,7 +3537,7 @@
             </a:pPr>
             <a:fld id="{B9320F77-B9A0-41C5-862A-B4B631284C64}" type="datetime1">
               <a:rPr lang="en-GB" altLang="en-US"/>
-              <a:t>10/02/2025</a:t>
+              <a:t>11/02/2025</a:t>
             </a:fld>
             <a:endParaRPr lang="ko-KR" altLang="en-US"/>
           </a:p>
@@ -7267,6 +7268,656 @@
     <p:extLst>
       <p:ext uri="{BB962C8B-B14F-4D97-AF65-F5344CB8AC3E}">
         <p14:creationId xmlns:p14="http://schemas.microsoft.com/office/powerpoint/2010/main" val="2325323139"/>
+      </p:ext>
+    </p:extLst>
+  </p:cSld>
+  <p:clrMapOvr>
+    <a:masterClrMapping/>
+  </p:clrMapOvr>
+</p:sld>
+</file>
+
+<file path=ppt/slides/slide5.xml><?xml version="1.0" encoding="utf-8"?>
+<p:sld xmlns:a="http://schemas.openxmlformats.org/drawingml/2006/main" xmlns:r="http://schemas.openxmlformats.org/officeDocument/2006/relationships" xmlns:p="http://schemas.openxmlformats.org/presentationml/2006/main">
+  <p:cSld>
+    <p:spTree>
+      <p:nvGrpSpPr>
+        <p:cNvPr id="1" name="">
+          <a:extLst>
+            <a:ext uri="{FF2B5EF4-FFF2-40B4-BE49-F238E27FC236}">
+              <a16:creationId xmlns:a16="http://schemas.microsoft.com/office/drawing/2014/main" id="{D21DAEA7-79E3-502E-509C-DF5DDCA8B6BC}"/>
+            </a:ext>
+          </a:extLst>
+        </p:cNvPr>
+        <p:cNvGrpSpPr/>
+        <p:nvPr/>
+      </p:nvGrpSpPr>
+      <p:grpSpPr>
+        <a:xfrm>
+          <a:off x="0" y="0"/>
+          <a:ext cx="0" cy="0"/>
+          <a:chOff x="0" y="0"/>
+          <a:chExt cx="0" cy="0"/>
+        </a:xfrm>
+      </p:grpSpPr>
+      <p:sp>
+        <p:nvSpPr>
+          <p:cNvPr id="4" name="제목 1">
+            <a:extLst>
+              <a:ext uri="{FF2B5EF4-FFF2-40B4-BE49-F238E27FC236}">
+                <a16:creationId xmlns:a16="http://schemas.microsoft.com/office/drawing/2014/main" id="{636482B7-5B29-4FB0-B905-DE64440A7328}"/>
+              </a:ext>
+            </a:extLst>
+          </p:cNvPr>
+          <p:cNvSpPr txBox="1">
+            <a:spLocks/>
+          </p:cNvSpPr>
+          <p:nvPr/>
+        </p:nvSpPr>
+        <p:spPr>
+          <a:xfrm>
+            <a:off x="695324" y="387600"/>
+            <a:ext cx="10801351" cy="628400"/>
+          </a:xfrm>
+          <a:prstGeom prst="rect">
+            <a:avLst/>
+          </a:prstGeom>
+        </p:spPr>
+        <p:txBody>
+          <a:bodyPr vert="horz" lIns="91440" tIns="45720" rIns="91440" bIns="45720" rtlCol="0" anchor="ctr">
+            <a:normAutofit/>
+          </a:bodyPr>
+          <a:lstStyle>
+            <a:lvl1pPr algn="ctr" defTabSz="914400" rtl="0" eaLnBrk="1" latinLnBrk="1" hangingPunct="1">
+              <a:lnSpc>
+                <a:spcPct val="90000"/>
+              </a:lnSpc>
+              <a:spcBef>
+                <a:spcPct val="0"/>
+              </a:spcBef>
+              <a:buNone/>
+              <a:defRPr sz="6000" kern="1200">
+                <a:solidFill>
+                  <a:schemeClr val="tx1"/>
+                </a:solidFill>
+                <a:latin typeface="+mj-lt"/>
+                <a:ea typeface="+mj-ea"/>
+                <a:cs typeface="+mj-cs"/>
+              </a:defRPr>
+            </a:lvl1pPr>
+          </a:lstStyle>
+          <a:p>
+            <a:pPr algn="l">
+              <a:lnSpc>
+                <a:spcPct val="100000"/>
+              </a:lnSpc>
+            </a:pPr>
+            <a:r>
+              <a:rPr lang="ko-KR" altLang="en-US" sz="3200" dirty="0"/>
+              <a:t> 진화 시스템 </a:t>
+            </a:r>
+            <a:r>
+              <a:rPr lang="en-US" altLang="ko-KR" sz="3200" dirty="0"/>
+              <a:t>–</a:t>
+            </a:r>
+            <a:r>
+              <a:rPr lang="en-US" altLang="ko-KR" sz="2400" dirty="0"/>
+              <a:t> </a:t>
+            </a:r>
+            <a:r>
+              <a:rPr lang="ko-KR" altLang="en-US" sz="2400" dirty="0"/>
+              <a:t>알고리즘</a:t>
+            </a:r>
+            <a:endParaRPr lang="en-US" altLang="ko-KR" sz="2400" dirty="0"/>
+          </a:p>
+        </p:txBody>
+      </p:sp>
+      <p:pic>
+        <p:nvPicPr>
+          <p:cNvPr id="2" name="그림 1">
+            <a:extLst>
+              <a:ext uri="{FF2B5EF4-FFF2-40B4-BE49-F238E27FC236}">
+                <a16:creationId xmlns:a16="http://schemas.microsoft.com/office/drawing/2014/main" id="{0B6805A7-9ECC-4091-B799-534133E5B1CD}"/>
+              </a:ext>
+            </a:extLst>
+          </p:cNvPr>
+          <p:cNvPicPr>
+            <a:picLocks noChangeAspect="1"/>
+          </p:cNvPicPr>
+          <p:nvPr/>
+        </p:nvPicPr>
+        <p:blipFill>
+          <a:blip r:embed="rId2"/>
+          <a:stretch>
+            <a:fillRect/>
+          </a:stretch>
+        </p:blipFill>
+        <p:spPr>
+          <a:xfrm>
+            <a:off x="1187977" y="3749209"/>
+            <a:ext cx="1954742" cy="2518610"/>
+          </a:xfrm>
+          <a:prstGeom prst="rect">
+            <a:avLst/>
+          </a:prstGeom>
+        </p:spPr>
+      </p:pic>
+      <p:pic>
+        <p:nvPicPr>
+          <p:cNvPr id="5" name="그림 4">
+            <a:extLst>
+              <a:ext uri="{FF2B5EF4-FFF2-40B4-BE49-F238E27FC236}">
+                <a16:creationId xmlns:a16="http://schemas.microsoft.com/office/drawing/2014/main" id="{4805D6D7-93B9-4F28-9B76-2912D9451232}"/>
+              </a:ext>
+            </a:extLst>
+          </p:cNvPr>
+          <p:cNvPicPr>
+            <a:picLocks noChangeAspect="1"/>
+          </p:cNvPicPr>
+          <p:nvPr/>
+        </p:nvPicPr>
+        <p:blipFill>
+          <a:blip r:embed="rId3"/>
+          <a:stretch>
+            <a:fillRect/>
+          </a:stretch>
+        </p:blipFill>
+        <p:spPr>
+          <a:xfrm>
+            <a:off x="3478709" y="3864756"/>
+            <a:ext cx="2617291" cy="2391662"/>
+          </a:xfrm>
+          <a:prstGeom prst="rect">
+            <a:avLst/>
+          </a:prstGeom>
+        </p:spPr>
+      </p:pic>
+      <p:pic>
+        <p:nvPicPr>
+          <p:cNvPr id="6" name="그림 5">
+            <a:extLst>
+              <a:ext uri="{FF2B5EF4-FFF2-40B4-BE49-F238E27FC236}">
+                <a16:creationId xmlns:a16="http://schemas.microsoft.com/office/drawing/2014/main" id="{5C0FAFDA-12BD-4BA8-A3C9-7EE6D78205CA}"/>
+              </a:ext>
+            </a:extLst>
+          </p:cNvPr>
+          <p:cNvPicPr>
+            <a:picLocks noChangeAspect="1"/>
+          </p:cNvPicPr>
+          <p:nvPr/>
+        </p:nvPicPr>
+        <p:blipFill>
+          <a:blip r:embed="rId4"/>
+          <a:stretch>
+            <a:fillRect/>
+          </a:stretch>
+        </p:blipFill>
+        <p:spPr>
+          <a:xfrm>
+            <a:off x="6091129" y="4030324"/>
+            <a:ext cx="3198670" cy="2184459"/>
+          </a:xfrm>
+          <a:prstGeom prst="rect">
+            <a:avLst/>
+          </a:prstGeom>
+        </p:spPr>
+      </p:pic>
+      <p:pic>
+        <p:nvPicPr>
+          <p:cNvPr id="8" name="그림 7">
+            <a:extLst>
+              <a:ext uri="{FF2B5EF4-FFF2-40B4-BE49-F238E27FC236}">
+                <a16:creationId xmlns:a16="http://schemas.microsoft.com/office/drawing/2014/main" id="{9A559C1D-098E-4286-8A47-F6188A1FE8CE}"/>
+              </a:ext>
+            </a:extLst>
+          </p:cNvPr>
+          <p:cNvPicPr>
+            <a:picLocks noChangeAspect="1"/>
+          </p:cNvPicPr>
+          <p:nvPr/>
+        </p:nvPicPr>
+        <p:blipFill>
+          <a:blip r:embed="rId5"/>
+          <a:stretch>
+            <a:fillRect/>
+          </a:stretch>
+        </p:blipFill>
+        <p:spPr>
+          <a:xfrm>
+            <a:off x="9152467" y="3749209"/>
+            <a:ext cx="2437342" cy="2465575"/>
+          </a:xfrm>
+          <a:prstGeom prst="rect">
+            <a:avLst/>
+          </a:prstGeom>
+        </p:spPr>
+      </p:pic>
+      <p:sp>
+        <p:nvSpPr>
+          <p:cNvPr id="9" name="TextBox 8">
+            <a:extLst>
+              <a:ext uri="{FF2B5EF4-FFF2-40B4-BE49-F238E27FC236}">
+                <a16:creationId xmlns:a16="http://schemas.microsoft.com/office/drawing/2014/main" id="{FA4C17C1-88CE-46DA-A806-8B0ECB997AE6}"/>
+              </a:ext>
+            </a:extLst>
+          </p:cNvPr>
+          <p:cNvSpPr txBox="1"/>
+          <p:nvPr/>
+        </p:nvSpPr>
+        <p:spPr>
+          <a:xfrm>
+            <a:off x="695324" y="1284037"/>
+            <a:ext cx="2617291" cy="369332"/>
+          </a:xfrm>
+          <a:prstGeom prst="rect">
+            <a:avLst/>
+          </a:prstGeom>
+          <a:noFill/>
+        </p:spPr>
+        <p:txBody>
+          <a:bodyPr wrap="square" rtlCol="0">
+            <a:spAutoFit/>
+          </a:bodyPr>
+          <a:lstStyle/>
+          <a:p>
+            <a:r>
+              <a:rPr lang="ko-KR" altLang="en-US" dirty="0"/>
+              <a:t>추종자 설명 팝업 진화</a:t>
+            </a:r>
+          </a:p>
+        </p:txBody>
+      </p:sp>
+      <p:sp>
+        <p:nvSpPr>
+          <p:cNvPr id="10" name="TextBox 9">
+            <a:extLst>
+              <a:ext uri="{FF2B5EF4-FFF2-40B4-BE49-F238E27FC236}">
+                <a16:creationId xmlns:a16="http://schemas.microsoft.com/office/drawing/2014/main" id="{D73DAB8F-D517-402C-864C-C51295E75A11}"/>
+              </a:ext>
+            </a:extLst>
+          </p:cNvPr>
+          <p:cNvSpPr txBox="1"/>
+          <p:nvPr/>
+        </p:nvSpPr>
+        <p:spPr>
+          <a:xfrm>
+            <a:off x="6096000" y="1284037"/>
+            <a:ext cx="2617291" cy="369332"/>
+          </a:xfrm>
+          <a:prstGeom prst="rect">
+            <a:avLst/>
+          </a:prstGeom>
+          <a:noFill/>
+        </p:spPr>
+        <p:txBody>
+          <a:bodyPr wrap="square" rtlCol="0">
+            <a:spAutoFit/>
+          </a:bodyPr>
+          <a:lstStyle/>
+          <a:p>
+            <a:r>
+              <a:rPr lang="ko-KR" altLang="en-US" dirty="0"/>
+              <a:t>진화 구슬 진화</a:t>
+            </a:r>
+          </a:p>
+        </p:txBody>
+      </p:sp>
+      <p:sp>
+        <p:nvSpPr>
+          <p:cNvPr id="12" name="직사각형 11">
+            <a:extLst>
+              <a:ext uri="{FF2B5EF4-FFF2-40B4-BE49-F238E27FC236}">
+                <a16:creationId xmlns:a16="http://schemas.microsoft.com/office/drawing/2014/main" id="{2D3EAAC3-EB04-4D8F-8D07-712058BE1E76}"/>
+              </a:ext>
+            </a:extLst>
+          </p:cNvPr>
+          <p:cNvSpPr/>
+          <p:nvPr/>
+        </p:nvSpPr>
+        <p:spPr>
+          <a:xfrm>
+            <a:off x="807509" y="1727408"/>
+            <a:ext cx="1470024" cy="369332"/>
+          </a:xfrm>
+          <a:prstGeom prst="rect">
+            <a:avLst/>
+          </a:prstGeom>
+        </p:spPr>
+        <p:style>
+          <a:lnRef idx="2">
+            <a:schemeClr val="accent1">
+              <a:shade val="50000"/>
+            </a:schemeClr>
+          </a:lnRef>
+          <a:fillRef idx="1">
+            <a:schemeClr val="accent1"/>
+          </a:fillRef>
+          <a:effectRef idx="0">
+            <a:schemeClr val="accent1"/>
+          </a:effectRef>
+          <a:fontRef idx="minor">
+            <a:schemeClr val="lt1"/>
+          </a:fontRef>
+        </p:style>
+        <p:txBody>
+          <a:bodyPr rtlCol="0" anchor="ctr"/>
+          <a:lstStyle/>
+          <a:p>
+            <a:pPr algn="ctr"/>
+            <a:r>
+              <a:rPr lang="ko-KR" altLang="en-US" dirty="0"/>
+              <a:t>추종자 클릭</a:t>
+            </a:r>
+          </a:p>
+        </p:txBody>
+      </p:sp>
+      <p:sp>
+        <p:nvSpPr>
+          <p:cNvPr id="13" name="직사각형 12">
+            <a:extLst>
+              <a:ext uri="{FF2B5EF4-FFF2-40B4-BE49-F238E27FC236}">
+                <a16:creationId xmlns:a16="http://schemas.microsoft.com/office/drawing/2014/main" id="{E7FD235F-5C4B-43B5-8D9A-1A9587EDD898}"/>
+              </a:ext>
+            </a:extLst>
+          </p:cNvPr>
+          <p:cNvSpPr/>
+          <p:nvPr/>
+        </p:nvSpPr>
+        <p:spPr>
+          <a:xfrm>
+            <a:off x="807509" y="2246452"/>
+            <a:ext cx="2228180" cy="369332"/>
+          </a:xfrm>
+          <a:prstGeom prst="rect">
+            <a:avLst/>
+          </a:prstGeom>
+        </p:spPr>
+        <p:style>
+          <a:lnRef idx="2">
+            <a:schemeClr val="accent1">
+              <a:shade val="50000"/>
+            </a:schemeClr>
+          </a:lnRef>
+          <a:fillRef idx="1">
+            <a:schemeClr val="accent1"/>
+          </a:fillRef>
+          <a:effectRef idx="0">
+            <a:schemeClr val="accent1"/>
+          </a:effectRef>
+          <a:fontRef idx="minor">
+            <a:schemeClr val="lt1"/>
+          </a:fontRef>
+        </p:style>
+        <p:txBody>
+          <a:bodyPr rtlCol="0" anchor="ctr"/>
+          <a:lstStyle/>
+          <a:p>
+            <a:pPr algn="ctr"/>
+            <a:r>
+              <a:rPr lang="ko-KR" altLang="en-US" dirty="0"/>
+              <a:t>추종자 </a:t>
+            </a:r>
+            <a:r>
+              <a:rPr lang="ko-KR" altLang="en-US" dirty="0" err="1"/>
+              <a:t>설명창</a:t>
+            </a:r>
+            <a:r>
+              <a:rPr lang="ko-KR" altLang="en-US" dirty="0"/>
+              <a:t> 팝업</a:t>
+            </a:r>
+          </a:p>
+        </p:txBody>
+      </p:sp>
+      <p:sp>
+        <p:nvSpPr>
+          <p:cNvPr id="14" name="직사각형 13">
+            <a:extLst>
+              <a:ext uri="{FF2B5EF4-FFF2-40B4-BE49-F238E27FC236}">
+                <a16:creationId xmlns:a16="http://schemas.microsoft.com/office/drawing/2014/main" id="{0EF68F18-92CA-4FA1-8646-7B23196CC8D3}"/>
+              </a:ext>
+            </a:extLst>
+          </p:cNvPr>
+          <p:cNvSpPr/>
+          <p:nvPr/>
+        </p:nvSpPr>
+        <p:spPr>
+          <a:xfrm>
+            <a:off x="807509" y="2780310"/>
+            <a:ext cx="2765424" cy="369332"/>
+          </a:xfrm>
+          <a:prstGeom prst="rect">
+            <a:avLst/>
+          </a:prstGeom>
+        </p:spPr>
+        <p:style>
+          <a:lnRef idx="2">
+            <a:schemeClr val="accent1">
+              <a:shade val="50000"/>
+            </a:schemeClr>
+          </a:lnRef>
+          <a:fillRef idx="1">
+            <a:schemeClr val="accent1"/>
+          </a:fillRef>
+          <a:effectRef idx="0">
+            <a:schemeClr val="accent1"/>
+          </a:effectRef>
+          <a:fontRef idx="minor">
+            <a:schemeClr val="lt1"/>
+          </a:fontRef>
+        </p:style>
+        <p:txBody>
+          <a:bodyPr rtlCol="0" anchor="ctr"/>
+          <a:lstStyle/>
+          <a:p>
+            <a:pPr algn="ctr"/>
+            <a:r>
+              <a:rPr lang="ko-KR" altLang="en-US" dirty="0"/>
+              <a:t>설명창의 진화 버튼 클릭</a:t>
+            </a:r>
+          </a:p>
+        </p:txBody>
+      </p:sp>
+      <p:sp>
+        <p:nvSpPr>
+          <p:cNvPr id="15" name="직사각형 14">
+            <a:extLst>
+              <a:ext uri="{FF2B5EF4-FFF2-40B4-BE49-F238E27FC236}">
+                <a16:creationId xmlns:a16="http://schemas.microsoft.com/office/drawing/2014/main" id="{D5153605-907E-4BEC-BA0D-654878DC0994}"/>
+              </a:ext>
+            </a:extLst>
+          </p:cNvPr>
+          <p:cNvSpPr/>
+          <p:nvPr/>
+        </p:nvSpPr>
+        <p:spPr>
+          <a:xfrm>
+            <a:off x="807509" y="3275658"/>
+            <a:ext cx="1554691" cy="369332"/>
+          </a:xfrm>
+          <a:prstGeom prst="rect">
+            <a:avLst/>
+          </a:prstGeom>
+        </p:spPr>
+        <p:style>
+          <a:lnRef idx="2">
+            <a:schemeClr val="accent1">
+              <a:shade val="50000"/>
+            </a:schemeClr>
+          </a:lnRef>
+          <a:fillRef idx="1">
+            <a:schemeClr val="accent1"/>
+          </a:fillRef>
+          <a:effectRef idx="0">
+            <a:schemeClr val="accent1"/>
+          </a:effectRef>
+          <a:fontRef idx="minor">
+            <a:schemeClr val="lt1"/>
+          </a:fontRef>
+        </p:style>
+        <p:txBody>
+          <a:bodyPr rtlCol="0" anchor="ctr"/>
+          <a:lstStyle/>
+          <a:p>
+            <a:pPr algn="ctr"/>
+            <a:r>
+              <a:rPr lang="ko-KR" altLang="en-US" dirty="0"/>
+              <a:t>추종자 진화</a:t>
+            </a:r>
+          </a:p>
+        </p:txBody>
+      </p:sp>
+      <p:sp>
+        <p:nvSpPr>
+          <p:cNvPr id="16" name="직사각형 15">
+            <a:extLst>
+              <a:ext uri="{FF2B5EF4-FFF2-40B4-BE49-F238E27FC236}">
+                <a16:creationId xmlns:a16="http://schemas.microsoft.com/office/drawing/2014/main" id="{46565041-2AE4-4341-AB5C-1B540DB7C9EE}"/>
+              </a:ext>
+            </a:extLst>
+          </p:cNvPr>
+          <p:cNvSpPr/>
+          <p:nvPr/>
+        </p:nvSpPr>
+        <p:spPr>
+          <a:xfrm>
+            <a:off x="6251574" y="1887634"/>
+            <a:ext cx="2003425" cy="369332"/>
+          </a:xfrm>
+          <a:prstGeom prst="rect">
+            <a:avLst/>
+          </a:prstGeom>
+        </p:spPr>
+        <p:style>
+          <a:lnRef idx="2">
+            <a:schemeClr val="accent1">
+              <a:shade val="50000"/>
+            </a:schemeClr>
+          </a:lnRef>
+          <a:fillRef idx="1">
+            <a:schemeClr val="accent1"/>
+          </a:fillRef>
+          <a:effectRef idx="0">
+            <a:schemeClr val="accent1"/>
+          </a:effectRef>
+          <a:fontRef idx="minor">
+            <a:schemeClr val="lt1"/>
+          </a:fontRef>
+        </p:style>
+        <p:txBody>
+          <a:bodyPr rtlCol="0" anchor="ctr"/>
+          <a:lstStyle/>
+          <a:p>
+            <a:pPr algn="ctr"/>
+            <a:r>
+              <a:rPr lang="ko-KR" altLang="en-US"/>
+              <a:t>진화 구슬 드래그</a:t>
+            </a:r>
+            <a:endParaRPr lang="ko-KR" altLang="en-US" dirty="0"/>
+          </a:p>
+        </p:txBody>
+      </p:sp>
+      <p:sp>
+        <p:nvSpPr>
+          <p:cNvPr id="17" name="직사각형 16">
+            <a:extLst>
+              <a:ext uri="{FF2B5EF4-FFF2-40B4-BE49-F238E27FC236}">
+                <a16:creationId xmlns:a16="http://schemas.microsoft.com/office/drawing/2014/main" id="{6577B3AB-4440-444F-8020-0AFE08AC57B0}"/>
+              </a:ext>
+            </a:extLst>
+          </p:cNvPr>
+          <p:cNvSpPr/>
+          <p:nvPr/>
+        </p:nvSpPr>
+        <p:spPr>
+          <a:xfrm>
+            <a:off x="6251573" y="2458344"/>
+            <a:ext cx="2003425" cy="369332"/>
+          </a:xfrm>
+          <a:prstGeom prst="rect">
+            <a:avLst/>
+          </a:prstGeom>
+        </p:spPr>
+        <p:style>
+          <a:lnRef idx="2">
+            <a:schemeClr val="accent1">
+              <a:shade val="50000"/>
+            </a:schemeClr>
+          </a:lnRef>
+          <a:fillRef idx="1">
+            <a:schemeClr val="accent1"/>
+          </a:fillRef>
+          <a:effectRef idx="0">
+            <a:schemeClr val="accent1"/>
+          </a:effectRef>
+          <a:fontRef idx="minor">
+            <a:schemeClr val="lt1"/>
+          </a:fontRef>
+        </p:style>
+        <p:txBody>
+          <a:bodyPr rtlCol="0" anchor="ctr"/>
+          <a:lstStyle/>
+          <a:p>
+            <a:pPr algn="ctr"/>
+            <a:r>
+              <a:rPr lang="ko-KR" altLang="en-US" dirty="0"/>
+              <a:t>추종자에게 아웃</a:t>
+            </a:r>
+          </a:p>
+        </p:txBody>
+      </p:sp>
+      <p:sp>
+        <p:nvSpPr>
+          <p:cNvPr id="18" name="직사각형 17">
+            <a:extLst>
+              <a:ext uri="{FF2B5EF4-FFF2-40B4-BE49-F238E27FC236}">
+                <a16:creationId xmlns:a16="http://schemas.microsoft.com/office/drawing/2014/main" id="{CB18E089-E9EE-40AE-9D54-6CEDF17219DE}"/>
+              </a:ext>
+            </a:extLst>
+          </p:cNvPr>
+          <p:cNvSpPr/>
+          <p:nvPr/>
+        </p:nvSpPr>
+        <p:spPr>
+          <a:xfrm>
+            <a:off x="6251574" y="3029054"/>
+            <a:ext cx="1554691" cy="369332"/>
+          </a:xfrm>
+          <a:prstGeom prst="rect">
+            <a:avLst/>
+          </a:prstGeom>
+        </p:spPr>
+        <p:style>
+          <a:lnRef idx="2">
+            <a:schemeClr val="accent1">
+              <a:shade val="50000"/>
+            </a:schemeClr>
+          </a:lnRef>
+          <a:fillRef idx="1">
+            <a:schemeClr val="accent1"/>
+          </a:fillRef>
+          <a:effectRef idx="0">
+            <a:schemeClr val="accent1"/>
+          </a:effectRef>
+          <a:fontRef idx="minor">
+            <a:schemeClr val="lt1"/>
+          </a:fontRef>
+        </p:style>
+        <p:txBody>
+          <a:bodyPr rtlCol="0" anchor="ctr"/>
+          <a:lstStyle/>
+          <a:p>
+            <a:pPr algn="ctr"/>
+            <a:r>
+              <a:rPr lang="ko-KR" altLang="en-US" dirty="0"/>
+              <a:t>추종자 진화</a:t>
+            </a:r>
+          </a:p>
+        </p:txBody>
+      </p:sp>
+    </p:spTree>
+    <p:extLst>
+      <p:ext uri="{BB962C8B-B14F-4D97-AF65-F5344CB8AC3E}">
+        <p14:creationId xmlns:p14="http://schemas.microsoft.com/office/powerpoint/2010/main" val="1737799708"/>
       </p:ext>
     </p:extLst>
   </p:cSld>
